--- a/Products/Manuscripts/plots_tables/archive/Fig1.pptx
+++ b/Products/Manuscripts/plots_tables/archive/Fig1.pptx
@@ -243,7 +243,7 @@
           <a:p>
             <a:fld id="{9D6173DF-E2D9-4BF5-9ED3-CFCCAC067ABE}" type="datetimeFigureOut">
               <a:rPr lang="en-US" smtClean="0"/>
-              <a:t>11/11/2024</a:t>
+              <a:t>11/13/2024</a:t>
             </a:fld>
             <a:endParaRPr lang="en-US"/>
           </a:p>
@@ -413,7 +413,7 @@
           <a:p>
             <a:fld id="{9D6173DF-E2D9-4BF5-9ED3-CFCCAC067ABE}" type="datetimeFigureOut">
               <a:rPr lang="en-US" smtClean="0"/>
-              <a:t>11/11/2024</a:t>
+              <a:t>11/13/2024</a:t>
             </a:fld>
             <a:endParaRPr lang="en-US"/>
           </a:p>
@@ -593,7 +593,7 @@
           <a:p>
             <a:fld id="{9D6173DF-E2D9-4BF5-9ED3-CFCCAC067ABE}" type="datetimeFigureOut">
               <a:rPr lang="en-US" smtClean="0"/>
-              <a:t>11/11/2024</a:t>
+              <a:t>11/13/2024</a:t>
             </a:fld>
             <a:endParaRPr lang="en-US"/>
           </a:p>
@@ -763,7 +763,7 @@
           <a:p>
             <a:fld id="{9D6173DF-E2D9-4BF5-9ED3-CFCCAC067ABE}" type="datetimeFigureOut">
               <a:rPr lang="en-US" smtClean="0"/>
-              <a:t>11/11/2024</a:t>
+              <a:t>11/13/2024</a:t>
             </a:fld>
             <a:endParaRPr lang="en-US"/>
           </a:p>
@@ -1009,7 +1009,7 @@
           <a:p>
             <a:fld id="{9D6173DF-E2D9-4BF5-9ED3-CFCCAC067ABE}" type="datetimeFigureOut">
               <a:rPr lang="en-US" smtClean="0"/>
-              <a:t>11/11/2024</a:t>
+              <a:t>11/13/2024</a:t>
             </a:fld>
             <a:endParaRPr lang="en-US"/>
           </a:p>
@@ -1241,7 +1241,7 @@
           <a:p>
             <a:fld id="{9D6173DF-E2D9-4BF5-9ED3-CFCCAC067ABE}" type="datetimeFigureOut">
               <a:rPr lang="en-US" smtClean="0"/>
-              <a:t>11/11/2024</a:t>
+              <a:t>11/13/2024</a:t>
             </a:fld>
             <a:endParaRPr lang="en-US"/>
           </a:p>
@@ -1608,7 +1608,7 @@
           <a:p>
             <a:fld id="{9D6173DF-E2D9-4BF5-9ED3-CFCCAC067ABE}" type="datetimeFigureOut">
               <a:rPr lang="en-US" smtClean="0"/>
-              <a:t>11/11/2024</a:t>
+              <a:t>11/13/2024</a:t>
             </a:fld>
             <a:endParaRPr lang="en-US"/>
           </a:p>
@@ -1726,7 +1726,7 @@
           <a:p>
             <a:fld id="{9D6173DF-E2D9-4BF5-9ED3-CFCCAC067ABE}" type="datetimeFigureOut">
               <a:rPr lang="en-US" smtClean="0"/>
-              <a:t>11/11/2024</a:t>
+              <a:t>11/13/2024</a:t>
             </a:fld>
             <a:endParaRPr lang="en-US"/>
           </a:p>
@@ -1821,7 +1821,7 @@
           <a:p>
             <a:fld id="{9D6173DF-E2D9-4BF5-9ED3-CFCCAC067ABE}" type="datetimeFigureOut">
               <a:rPr lang="en-US" smtClean="0"/>
-              <a:t>11/11/2024</a:t>
+              <a:t>11/13/2024</a:t>
             </a:fld>
             <a:endParaRPr lang="en-US"/>
           </a:p>
@@ -2098,7 +2098,7 @@
           <a:p>
             <a:fld id="{9D6173DF-E2D9-4BF5-9ED3-CFCCAC067ABE}" type="datetimeFigureOut">
               <a:rPr lang="en-US" smtClean="0"/>
-              <a:t>11/11/2024</a:t>
+              <a:t>11/13/2024</a:t>
             </a:fld>
             <a:endParaRPr lang="en-US"/>
           </a:p>
@@ -2355,7 +2355,7 @@
           <a:p>
             <a:fld id="{9D6173DF-E2D9-4BF5-9ED3-CFCCAC067ABE}" type="datetimeFigureOut">
               <a:rPr lang="en-US" smtClean="0"/>
-              <a:t>11/11/2024</a:t>
+              <a:t>11/13/2024</a:t>
             </a:fld>
             <a:endParaRPr lang="en-US"/>
           </a:p>
@@ -2568,7 +2568,7 @@
           <a:p>
             <a:fld id="{9D6173DF-E2D9-4BF5-9ED3-CFCCAC067ABE}" type="datetimeFigureOut">
               <a:rPr lang="en-US" smtClean="0"/>
-              <a:t>11/11/2024</a:t>
+              <a:t>11/13/2024</a:t>
             </a:fld>
             <a:endParaRPr lang="en-US"/>
           </a:p>
@@ -2975,42 +2975,6 @@
       </p:grpSpPr>
       <p:pic>
         <p:nvPicPr>
-          <p:cNvPr id="5" name="Picture 4" descr="A black and white picture of a house and a clock&#10;&#10;Description automatically generated">
-            <a:extLst>
-              <a:ext uri="{FF2B5EF4-FFF2-40B4-BE49-F238E27FC236}">
-                <a16:creationId xmlns:a16="http://schemas.microsoft.com/office/drawing/2014/main" id="{35170C7B-9E04-AEB1-2B98-DB1F8EBBF0FD}"/>
-              </a:ext>
-            </a:extLst>
-          </p:cNvPr>
-          <p:cNvPicPr>
-            <a:picLocks noChangeAspect="1"/>
-          </p:cNvPicPr>
-          <p:nvPr/>
-        </p:nvPicPr>
-        <p:blipFill>
-          <a:blip r:embed="rId2">
-            <a:extLst>
-              <a:ext uri="{28A0092B-C50C-407E-A947-70E740481C1C}">
-                <a14:useLocalDpi xmlns:a14="http://schemas.microsoft.com/office/drawing/2010/main" val="0"/>
-              </a:ext>
-            </a:extLst>
-          </a:blip>
-          <a:stretch>
-            <a:fillRect/>
-          </a:stretch>
-        </p:blipFill>
-        <p:spPr>
-          <a:xfrm>
-            <a:off x="48768" y="236873"/>
-            <a:ext cx="9960864" cy="2791968"/>
-          </a:xfrm>
-          <a:prstGeom prst="rect">
-            <a:avLst/>
-          </a:prstGeom>
-        </p:spPr>
-      </p:pic>
-      <p:pic>
-        <p:nvPicPr>
           <p:cNvPr id="7" name="Picture 6" descr="A close-up of words&#10;&#10;Description automatically generated">
             <a:extLst>
               <a:ext uri="{FF2B5EF4-FFF2-40B4-BE49-F238E27FC236}">
@@ -3024,7 +2988,8 @@
           <p:nvPr/>
         </p:nvPicPr>
         <p:blipFill>
-          <a:blip r:embed="rId3">
+          <a:blip r:embed="rId2">
+            <a:grayscl/>
             <a:extLst>
               <a:ext uri="{28A0092B-C50C-407E-A947-70E740481C1C}">
                 <a14:useLocalDpi xmlns:a14="http://schemas.microsoft.com/office/drawing/2010/main" val="0"/>
@@ -3059,7 +3024,8 @@
           <p:nvPr/>
         </p:nvPicPr>
         <p:blipFill>
-          <a:blip r:embed="rId3">
+          <a:blip r:embed="rId2">
+            <a:grayscl/>
             <a:extLst>
               <a:ext uri="{28A0092B-C50C-407E-A947-70E740481C1C}">
                 <a14:useLocalDpi xmlns:a14="http://schemas.microsoft.com/office/drawing/2010/main" val="0"/>
@@ -3197,6 +3163,43 @@
           </a:p>
         </p:txBody>
       </p:sp>
+      <p:pic>
+        <p:nvPicPr>
+          <p:cNvPr id="3" name="Picture 2" descr="A clock and a house&#10;&#10;Description automatically generated with medium confidence">
+            <a:extLst>
+              <a:ext uri="{FF2B5EF4-FFF2-40B4-BE49-F238E27FC236}">
+                <a16:creationId xmlns:a16="http://schemas.microsoft.com/office/drawing/2014/main" id="{0CEB2E56-D926-821E-2B7C-D20493A5212C}"/>
+              </a:ext>
+            </a:extLst>
+          </p:cNvPr>
+          <p:cNvPicPr>
+            <a:picLocks noChangeAspect="1"/>
+          </p:cNvPicPr>
+          <p:nvPr/>
+        </p:nvPicPr>
+        <p:blipFill>
+          <a:blip r:embed="rId3">
+            <a:grayscl/>
+            <a:extLst>
+              <a:ext uri="{28A0092B-C50C-407E-A947-70E740481C1C}">
+                <a14:useLocalDpi xmlns:a14="http://schemas.microsoft.com/office/drawing/2010/main" val="0"/>
+              </a:ext>
+            </a:extLst>
+          </a:blip>
+          <a:stretch>
+            <a:fillRect/>
+          </a:stretch>
+        </p:blipFill>
+        <p:spPr>
+          <a:xfrm>
+            <a:off x="48768" y="293016"/>
+            <a:ext cx="9960864" cy="2791968"/>
+          </a:xfrm>
+          <a:prstGeom prst="rect">
+            <a:avLst/>
+          </a:prstGeom>
+        </p:spPr>
+      </p:pic>
     </p:spTree>
     <p:extLst>
       <p:ext uri="{BB962C8B-B14F-4D97-AF65-F5344CB8AC3E}">
